--- a/documents/BioLUC Model Development.pptx
+++ b/documents/BioLUC Model Development.pptx
@@ -5,22 +5,23 @@
     <p:sldMasterId id="2147483648" r:id="rId1"/>
   </p:sldMasterIdLst>
   <p:notesMasterIdLst>
-    <p:notesMasterId r:id="rId15"/>
+    <p:notesMasterId r:id="rId16"/>
   </p:notesMasterIdLst>
   <p:sldIdLst>
     <p:sldId id="261" r:id="rId2"/>
     <p:sldId id="279" r:id="rId3"/>
-    <p:sldId id="281" r:id="rId4"/>
-    <p:sldId id="280" r:id="rId5"/>
-    <p:sldId id="287" r:id="rId6"/>
-    <p:sldId id="282" r:id="rId7"/>
-    <p:sldId id="283" r:id="rId8"/>
-    <p:sldId id="290" r:id="rId9"/>
-    <p:sldId id="288" r:id="rId10"/>
-    <p:sldId id="289" r:id="rId11"/>
-    <p:sldId id="291" r:id="rId12"/>
-    <p:sldId id="292" r:id="rId13"/>
-    <p:sldId id="293" r:id="rId14"/>
+    <p:sldId id="294" r:id="rId4"/>
+    <p:sldId id="281" r:id="rId5"/>
+    <p:sldId id="280" r:id="rId6"/>
+    <p:sldId id="287" r:id="rId7"/>
+    <p:sldId id="282" r:id="rId8"/>
+    <p:sldId id="283" r:id="rId9"/>
+    <p:sldId id="290" r:id="rId10"/>
+    <p:sldId id="288" r:id="rId11"/>
+    <p:sldId id="289" r:id="rId12"/>
+    <p:sldId id="291" r:id="rId13"/>
+    <p:sldId id="292" r:id="rId14"/>
+    <p:sldId id="293" r:id="rId15"/>
   </p:sldIdLst>
   <p:sldSz cx="9144000" cy="6858000" type="screen4x3"/>
   <p:notesSz cx="6858000" cy="9144000"/>
@@ -220,7 +221,7 @@
             <a:fld id="{62430CC7-8C13-4D51-BC46-B95A4AC4A04B}" type="datetimeFigureOut">
               <a:rPr lang="en-US" smtClean="0"/>
               <a:pPr/>
-              <a:t>5/3/2013</a:t>
+              <a:t>5/7/2013</a:t>
             </a:fld>
             <a:endParaRPr lang="en-US"/>
           </a:p>
@@ -3340,7 +3341,7 @@
           <a:p>
             <a:r>
               <a:rPr lang="en-US" dirty="0" smtClean="0"/>
-              <a:t>Calibration</a:t>
+              <a:t>Data uncertainty</a:t>
             </a:r>
             <a:endParaRPr lang="en-US" dirty="0"/>
           </a:p>
@@ -3359,37 +3360,52 @@
         <p:spPr/>
         <p:txBody>
           <a:bodyPr>
-            <a:normAutofit/>
+            <a:normAutofit fontScale="85000" lnSpcReduction="20000"/>
           </a:bodyPr>
           <a:lstStyle/>
           <a:p>
             <a:r>
               <a:rPr lang="en-US" dirty="0" smtClean="0"/>
-              <a:t>Stock/flow structure of model requires internal consistency in data around demand, yields, land allocation</a:t>
-            </a:r>
+              <a:t>Data for US is pretty good, but data for other regions can be a bit less certain</a:t>
+            </a:r>
+          </a:p>
+          <a:p>
             <a:endParaRPr lang="en-US" dirty="0"/>
           </a:p>
           <a:p>
             <a:r>
               <a:rPr lang="en-US" dirty="0" smtClean="0"/>
-              <a:t>Potential issues in pasture yield, forage yield, and animal product demand for commodities, forage pasture required introduction of “calibration factors”</a:t>
-            </a:r>
-          </a:p>
-          <a:p>
-            <a:pPr lvl="1"/>
+              <a:t>Forage land </a:t>
+            </a:r>
+            <a:r>
+              <a:rPr lang="en-US" dirty="0" smtClean="0">
+                <a:sym typeface="Wingdings" pitchFamily="2" charset="2"/>
+              </a:rPr>
+              <a:t> significant component of land base, but forage yield difficult to estimate with high degree of certainty</a:t>
+            </a:r>
+          </a:p>
+          <a:p>
+            <a:endParaRPr lang="en-US" dirty="0">
+              <a:sym typeface="Wingdings" pitchFamily="2" charset="2"/>
+            </a:endParaRPr>
+          </a:p>
+          <a:p>
+            <a:r>
+              <a:rPr lang="en-US" dirty="0" smtClean="0">
+                <a:sym typeface="Wingdings" pitchFamily="2" charset="2"/>
+              </a:rPr>
+              <a:t>Pasture land  VERY significant component of land base, but pasture yield VERY difficult to estimate with high degree of certainty.  Current yield formulation pegged to forage yield, but requires calibration factor.</a:t>
+            </a:r>
+            <a:endParaRPr lang="en-US" dirty="0" smtClean="0"/>
+          </a:p>
+          <a:p>
+            <a:endParaRPr lang="en-US" dirty="0" smtClean="0"/>
+          </a:p>
+          <a:p>
             <a:r>
               <a:rPr lang="en-US" dirty="0" smtClean="0"/>
-              <a:t>Modifications to animal product demands for commodities, forage demand, pasture yield</a:t>
-            </a:r>
-          </a:p>
-          <a:p>
-            <a:pPr lvl="1"/>
-            <a:endParaRPr lang="en-US" dirty="0" smtClean="0"/>
-          </a:p>
-          <a:p>
-            <a:endParaRPr lang="en-US" dirty="0" smtClean="0"/>
-          </a:p>
-          <a:p>
+              <a:t>Interaction with animal product logic compounds difficulties</a:t>
+            </a:r>
             <a:endParaRPr lang="en-US" dirty="0"/>
           </a:p>
           <a:p>
@@ -3406,7 +3422,7 @@
     </p:spTree>
     <p:extLst>
       <p:ext uri="{BB962C8B-B14F-4D97-AF65-F5344CB8AC3E}">
-        <p14:creationId xmlns:p14="http://schemas.microsoft.com/office/powerpoint/2010/main" val="2283580170"/>
+        <p14:creationId xmlns:p14="http://schemas.microsoft.com/office/powerpoint/2010/main" val="17465137"/>
       </p:ext>
     </p:extLst>
   </p:cSld>
@@ -3452,7 +3468,7 @@
           <a:p>
             <a:r>
               <a:rPr lang="en-US" dirty="0" smtClean="0"/>
-              <a:t>International Trade</a:t>
+              <a:t>Calibration</a:t>
             </a:r>
             <a:endParaRPr lang="en-US" dirty="0"/>
           </a:p>
@@ -3477,27 +3493,26 @@
           <a:p>
             <a:r>
               <a:rPr lang="en-US" dirty="0" smtClean="0"/>
-              <a:t>Structure around international flows of commodity products, animal products is less transparent than desirable</a:t>
-            </a:r>
+              <a:t>Stock/flow structure of model requires internal consistency in data around demand, yields, land allocation</a:t>
+            </a:r>
+            <a:endParaRPr lang="en-US" dirty="0"/>
           </a:p>
           <a:p>
             <a:r>
               <a:rPr lang="en-US" dirty="0" smtClean="0"/>
-              <a:t>Lack of market mechanism may lead to criticism of model</a:t>
-            </a:r>
-            <a:endParaRPr lang="en-US" dirty="0"/>
-          </a:p>
-          <a:p>
+              <a:t>Potential issues in pasture yield, forage yield, and animal product demand for commodities, forage pasture required introduction of “calibration factors”</a:t>
+            </a:r>
+          </a:p>
+          <a:p>
+            <a:pPr lvl="1"/>
             <a:r>
               <a:rPr lang="en-US" dirty="0" smtClean="0"/>
-              <a:t>Good news:  initial vetting of trade structure suggests that it works pretty well!</a:t>
-            </a:r>
-          </a:p>
-          <a:p>
-            <a:r>
-              <a:rPr lang="en-US" dirty="0" smtClean="0"/>
-              <a:t>Key parameter:  region-specific, product-specific “responsiveness to global shortfall”</a:t>
-            </a:r>
+              <a:t>Modifications to animal product demands for commodities, forage demand, pasture yield</a:t>
+            </a:r>
+          </a:p>
+          <a:p>
+            <a:pPr lvl="1"/>
+            <a:endParaRPr lang="en-US" dirty="0" smtClean="0"/>
           </a:p>
           <a:p>
             <a:endParaRPr lang="en-US" dirty="0" smtClean="0"/>
@@ -3519,7 +3534,7 @@
     </p:spTree>
     <p:extLst>
       <p:ext uri="{BB962C8B-B14F-4D97-AF65-F5344CB8AC3E}">
-        <p14:creationId xmlns:p14="http://schemas.microsoft.com/office/powerpoint/2010/main" val="2427906022"/>
+        <p14:creationId xmlns:p14="http://schemas.microsoft.com/office/powerpoint/2010/main" val="2283580170"/>
       </p:ext>
     </p:extLst>
   </p:cSld>
@@ -3565,6 +3580,119 @@
           <a:p>
             <a:r>
               <a:rPr lang="en-US" dirty="0" smtClean="0"/>
+              <a:t>International Trade</a:t>
+            </a:r>
+            <a:endParaRPr lang="en-US" dirty="0"/>
+          </a:p>
+        </p:txBody>
+      </p:sp>
+      <p:sp>
+        <p:nvSpPr>
+          <p:cNvPr id="3" name="Content Placeholder 2"/>
+          <p:cNvSpPr>
+            <a:spLocks noGrp="1"/>
+          </p:cNvSpPr>
+          <p:nvPr>
+            <p:ph idx="1"/>
+          </p:nvPr>
+        </p:nvSpPr>
+        <p:spPr/>
+        <p:txBody>
+          <a:bodyPr>
+            <a:normAutofit/>
+          </a:bodyPr>
+          <a:lstStyle/>
+          <a:p>
+            <a:r>
+              <a:rPr lang="en-US" dirty="0" smtClean="0"/>
+              <a:t>Structure around international flows of commodity products, animal products is less transparent than desirable</a:t>
+            </a:r>
+          </a:p>
+          <a:p>
+            <a:r>
+              <a:rPr lang="en-US" dirty="0" smtClean="0"/>
+              <a:t>Lack of market mechanism may lead to criticism of model</a:t>
+            </a:r>
+            <a:endParaRPr lang="en-US" dirty="0"/>
+          </a:p>
+          <a:p>
+            <a:r>
+              <a:rPr lang="en-US" dirty="0" smtClean="0"/>
+              <a:t>Good news:  initial vetting of trade structure suggests that it works pretty well!</a:t>
+            </a:r>
+          </a:p>
+          <a:p>
+            <a:r>
+              <a:rPr lang="en-US" dirty="0" smtClean="0"/>
+              <a:t>Key parameter:  region-specific, product-specific “responsiveness to global shortfall”</a:t>
+            </a:r>
+          </a:p>
+          <a:p>
+            <a:endParaRPr lang="en-US" dirty="0" smtClean="0"/>
+          </a:p>
+          <a:p>
+            <a:endParaRPr lang="en-US" dirty="0"/>
+          </a:p>
+          <a:p>
+            <a:endParaRPr lang="en-US" dirty="0" smtClean="0"/>
+          </a:p>
+          <a:p>
+            <a:endParaRPr lang="en-US" dirty="0"/>
+          </a:p>
+          <a:p>
+            <a:endParaRPr lang="en-US" dirty="0" smtClean="0"/>
+          </a:p>
+        </p:txBody>
+      </p:sp>
+    </p:spTree>
+    <p:extLst>
+      <p:ext uri="{BB962C8B-B14F-4D97-AF65-F5344CB8AC3E}">
+        <p14:creationId xmlns:p14="http://schemas.microsoft.com/office/powerpoint/2010/main" val="2427906022"/>
+      </p:ext>
+    </p:extLst>
+  </p:cSld>
+  <p:clrMapOvr>
+    <a:masterClrMapping/>
+  </p:clrMapOvr>
+</p:sld>
+</file>
+
+<file path=ppt/slides/slide13.xml><?xml version="1.0" encoding="utf-8"?>
+<p:sld xmlns:a="http://schemas.openxmlformats.org/drawingml/2006/main" xmlns:r="http://schemas.openxmlformats.org/officeDocument/2006/relationships" xmlns:p="http://schemas.openxmlformats.org/presentationml/2006/main">
+  <p:cSld>
+    <p:spTree>
+      <p:nvGrpSpPr>
+        <p:cNvPr id="1" name=""/>
+        <p:cNvGrpSpPr/>
+        <p:nvPr/>
+      </p:nvGrpSpPr>
+      <p:grpSpPr>
+        <a:xfrm>
+          <a:off x="0" y="0"/>
+          <a:ext cx="0" cy="0"/>
+          <a:chOff x="0" y="0"/>
+          <a:chExt cx="0" cy="0"/>
+        </a:xfrm>
+      </p:grpSpPr>
+      <p:sp>
+        <p:nvSpPr>
+          <p:cNvPr id="2" name="Title 1"/>
+          <p:cNvSpPr>
+            <a:spLocks noGrp="1"/>
+          </p:cNvSpPr>
+          <p:nvPr>
+            <p:ph type="title"/>
+          </p:nvPr>
+        </p:nvSpPr>
+        <p:spPr/>
+        <p:txBody>
+          <a:bodyPr>
+            <a:normAutofit fontScale="90000"/>
+          </a:bodyPr>
+          <a:lstStyle/>
+          <a:p>
+            <a:r>
+              <a:rPr lang="en-US" dirty="0" smtClean="0"/>
               <a:t>Demands driven by animal products</a:t>
             </a:r>
             <a:endParaRPr lang="en-US" dirty="0"/>
@@ -3691,7 +3819,7 @@
 </p:sld>
 </file>
 
-<file path=ppt/slides/slide13.xml><?xml version="1.0" encoding="utf-8"?>
+<file path=ppt/slides/slide14.xml><?xml version="1.0" encoding="utf-8"?>
 <p:sld xmlns:a="http://schemas.openxmlformats.org/drawingml/2006/main" xmlns:r="http://schemas.openxmlformats.org/officeDocument/2006/relationships" xmlns:p="http://schemas.openxmlformats.org/presentationml/2006/main">
   <p:cSld>
     <p:spTree>
@@ -3893,6 +4021,777 @@
 </file>
 
 <file path=ppt/slides/slide3.xml><?xml version="1.0" encoding="utf-8"?>
+<p:sld xmlns:a="http://schemas.openxmlformats.org/drawingml/2006/main" xmlns:r="http://schemas.openxmlformats.org/officeDocument/2006/relationships" xmlns:p="http://schemas.openxmlformats.org/presentationml/2006/main">
+  <p:cSld>
+    <p:spTree>
+      <p:nvGrpSpPr>
+        <p:cNvPr id="1" name=""/>
+        <p:cNvGrpSpPr/>
+        <p:nvPr/>
+      </p:nvGrpSpPr>
+      <p:grpSpPr>
+        <a:xfrm>
+          <a:off x="0" y="0"/>
+          <a:ext cx="0" cy="0"/>
+          <a:chOff x="0" y="0"/>
+          <a:chExt cx="0" cy="0"/>
+        </a:xfrm>
+      </p:grpSpPr>
+      <p:sp>
+        <p:nvSpPr>
+          <p:cNvPr id="9218" name="Slide Number Placeholder 3"/>
+          <p:cNvSpPr>
+            <a:spLocks noGrp="1"/>
+          </p:cNvSpPr>
+          <p:nvPr>
+            <p:ph type="sldNum" sz="quarter" idx="4294967295"/>
+          </p:nvPr>
+        </p:nvSpPr>
+        <p:spPr>
+          <a:xfrm>
+            <a:off x="457200" y="6356350"/>
+            <a:ext cx="2133600" cy="365125"/>
+          </a:xfrm>
+          <a:prstGeom prst="rect">
+            <a:avLst/>
+          </a:prstGeom>
+          <a:noFill/>
+          <a:ln/>
+          <a:extLst>
+            <a:ext uri="{909E8E84-426E-40DD-AFC4-6F175D3DCCD1}">
+              <a14:hiddenFill xmlns:a14="http://schemas.microsoft.com/office/drawing/2010/main">
+                <a:solidFill>
+                  <a:srgbClr val="FFFFFF"/>
+                </a:solidFill>
+              </a14:hiddenFill>
+            </a:ext>
+            <a:ext uri="{91240B29-F687-4F45-9708-019B960494DF}">
+              <a14:hiddenLine xmlns:a14="http://schemas.microsoft.com/office/drawing/2010/main" w="9525">
+                <a:solidFill>
+                  <a:srgbClr val="000000"/>
+                </a:solidFill>
+                <a:miter lim="800000"/>
+                <a:headEnd/>
+                <a:tailEnd/>
+              </a14:hiddenLine>
+            </a:ext>
+          </a:extLst>
+        </p:spPr>
+        <p:txBody>
+          <a:bodyPr/>
+          <a:lstStyle>
+            <a:lvl1pPr>
+              <a:defRPr>
+                <a:solidFill>
+                  <a:schemeClr val="tx1"/>
+                </a:solidFill>
+                <a:latin typeface="Tahoma" pitchFamily="34" charset="0"/>
+              </a:defRPr>
+            </a:lvl1pPr>
+            <a:lvl2pPr marL="742950" indent="-285750">
+              <a:defRPr>
+                <a:solidFill>
+                  <a:schemeClr val="tx1"/>
+                </a:solidFill>
+                <a:latin typeface="Tahoma" pitchFamily="34" charset="0"/>
+              </a:defRPr>
+            </a:lvl2pPr>
+            <a:lvl3pPr marL="1143000" indent="-228600">
+              <a:defRPr>
+                <a:solidFill>
+                  <a:schemeClr val="tx1"/>
+                </a:solidFill>
+                <a:latin typeface="Tahoma" pitchFamily="34" charset="0"/>
+              </a:defRPr>
+            </a:lvl3pPr>
+            <a:lvl4pPr marL="1600200" indent="-228600">
+              <a:defRPr>
+                <a:solidFill>
+                  <a:schemeClr val="tx1"/>
+                </a:solidFill>
+                <a:latin typeface="Tahoma" pitchFamily="34" charset="0"/>
+              </a:defRPr>
+            </a:lvl4pPr>
+            <a:lvl5pPr marL="2057400" indent="-228600">
+              <a:defRPr>
+                <a:solidFill>
+                  <a:schemeClr val="tx1"/>
+                </a:solidFill>
+                <a:latin typeface="Tahoma" pitchFamily="34" charset="0"/>
+              </a:defRPr>
+            </a:lvl5pPr>
+            <a:lvl6pPr marL="2514600" indent="-228600" eaLnBrk="0" fontAlgn="base" hangingPunct="0">
+              <a:spcBef>
+                <a:spcPct val="0"/>
+              </a:spcBef>
+              <a:spcAft>
+                <a:spcPct val="0"/>
+              </a:spcAft>
+              <a:defRPr>
+                <a:solidFill>
+                  <a:schemeClr val="tx1"/>
+                </a:solidFill>
+                <a:latin typeface="Tahoma" pitchFamily="34" charset="0"/>
+              </a:defRPr>
+            </a:lvl6pPr>
+            <a:lvl7pPr marL="2971800" indent="-228600" eaLnBrk="0" fontAlgn="base" hangingPunct="0">
+              <a:spcBef>
+                <a:spcPct val="0"/>
+              </a:spcBef>
+              <a:spcAft>
+                <a:spcPct val="0"/>
+              </a:spcAft>
+              <a:defRPr>
+                <a:solidFill>
+                  <a:schemeClr val="tx1"/>
+                </a:solidFill>
+                <a:latin typeface="Tahoma" pitchFamily="34" charset="0"/>
+              </a:defRPr>
+            </a:lvl7pPr>
+            <a:lvl8pPr marL="3429000" indent="-228600" eaLnBrk="0" fontAlgn="base" hangingPunct="0">
+              <a:spcBef>
+                <a:spcPct val="0"/>
+              </a:spcBef>
+              <a:spcAft>
+                <a:spcPct val="0"/>
+              </a:spcAft>
+              <a:defRPr>
+                <a:solidFill>
+                  <a:schemeClr val="tx1"/>
+                </a:solidFill>
+                <a:latin typeface="Tahoma" pitchFamily="34" charset="0"/>
+              </a:defRPr>
+            </a:lvl8pPr>
+            <a:lvl9pPr marL="3886200" indent="-228600" eaLnBrk="0" fontAlgn="base" hangingPunct="0">
+              <a:spcBef>
+                <a:spcPct val="0"/>
+              </a:spcBef>
+              <a:spcAft>
+                <a:spcPct val="0"/>
+              </a:spcAft>
+              <a:defRPr>
+                <a:solidFill>
+                  <a:schemeClr val="tx1"/>
+                </a:solidFill>
+                <a:latin typeface="Tahoma" pitchFamily="34" charset="0"/>
+              </a:defRPr>
+            </a:lvl9pPr>
+          </a:lstStyle>
+          <a:p>
+            <a:fld id="{7790AC6D-B745-4A4C-84C7-EE0D4583532E}" type="slidenum">
+              <a:rPr lang="en-US" smtClean="0"/>
+              <a:pPr/>
+              <a:t>3</a:t>
+            </a:fld>
+            <a:endParaRPr lang="en-US" smtClean="0"/>
+          </a:p>
+        </p:txBody>
+      </p:sp>
+      <p:sp>
+        <p:nvSpPr>
+          <p:cNvPr id="9219" name="Rectangle 2"/>
+          <p:cNvSpPr>
+            <a:spLocks noGrp="1" noChangeArrowheads="1"/>
+          </p:cNvSpPr>
+          <p:nvPr>
+            <p:ph type="title"/>
+          </p:nvPr>
+        </p:nvSpPr>
+        <p:spPr/>
+        <p:txBody>
+          <a:bodyPr/>
+          <a:lstStyle/>
+          <a:p>
+            <a:pPr marL="457200" indent="-457200" eaLnBrk="1" hangingPunct="1"/>
+            <a:r>
+              <a:rPr lang="en-US" sz="2800" dirty="0" smtClean="0"/>
+              <a:t>Protective </a:t>
+            </a:r>
+            <a:r>
+              <a:rPr lang="en-US" sz="2800" dirty="0" err="1" smtClean="0"/>
+              <a:t>vs</a:t>
+            </a:r>
+            <a:r>
+              <a:rPr lang="en-US" sz="2800" dirty="0" smtClean="0"/>
+              <a:t> Reflective Models</a:t>
+            </a:r>
+          </a:p>
+        </p:txBody>
+      </p:sp>
+      <p:sp>
+        <p:nvSpPr>
+          <p:cNvPr id="21" name="Rectangle 17"/>
+          <p:cNvSpPr txBox="1">
+            <a:spLocks noChangeArrowheads="1"/>
+          </p:cNvSpPr>
+          <p:nvPr/>
+        </p:nvSpPr>
+        <p:spPr bwMode="auto">
+          <a:xfrm>
+            <a:off x="1182688" y="1524000"/>
+            <a:ext cx="7772400" cy="533400"/>
+          </a:xfrm>
+          <a:prstGeom prst="rect">
+            <a:avLst/>
+          </a:prstGeom>
+          <a:noFill/>
+          <a:ln w="9525">
+            <a:noFill/>
+            <a:miter lim="800000"/>
+            <a:headEnd/>
+            <a:tailEnd/>
+          </a:ln>
+        </p:spPr>
+        <p:txBody>
+          <a:bodyPr/>
+          <a:lstStyle/>
+          <a:p>
+            <a:pPr eaLnBrk="1" hangingPunct="1">
+              <a:spcBef>
+                <a:spcPct val="50000"/>
+              </a:spcBef>
+              <a:buClr>
+                <a:schemeClr val="folHlink"/>
+              </a:buClr>
+              <a:buSzPct val="60000"/>
+              <a:defRPr/>
+            </a:pPr>
+            <a:endParaRPr lang="en-US" sz="2000" kern="0" dirty="0">
+              <a:latin typeface="+mn-lt"/>
+            </a:endParaRPr>
+          </a:p>
+        </p:txBody>
+      </p:sp>
+      <p:graphicFrame>
+        <p:nvGraphicFramePr>
+          <p:cNvPr id="20" name="Table 19"/>
+          <p:cNvGraphicFramePr>
+            <a:graphicFrameLocks noGrp="1"/>
+          </p:cNvGraphicFramePr>
+          <p:nvPr>
+            <p:extLst>
+              <p:ext uri="{D42A27DB-BD31-4B8C-83A1-F6EECF244321}">
+                <p14:modId xmlns:p14="http://schemas.microsoft.com/office/powerpoint/2010/main" val="1202490473"/>
+              </p:ext>
+            </p:extLst>
+          </p:nvPr>
+        </p:nvGraphicFramePr>
+        <p:xfrm>
+          <a:off x="1219200" y="1752600"/>
+          <a:ext cx="7239000" cy="3313114"/>
+        </p:xfrm>
+        <a:graphic>
+          <a:graphicData uri="http://schemas.openxmlformats.org/drawingml/2006/table">
+            <a:tbl>
+              <a:tblPr firstRow="1" bandRow="1">
+                <a:tableStyleId>{08FB837D-C827-4EFA-A057-4D05807E0F7C}</a:tableStyleId>
+              </a:tblPr>
+              <a:tblGrid>
+                <a:gridCol w="3619500"/>
+                <a:gridCol w="3619500"/>
+              </a:tblGrid>
+              <a:tr h="370973">
+                <a:tc>
+                  <a:txBody>
+                    <a:bodyPr/>
+                    <a:lstStyle/>
+                    <a:p>
+                      <a:r>
+                        <a:rPr lang="en-US" sz="1800" b="1" dirty="0" smtClean="0">
+                          <a:solidFill>
+                            <a:schemeClr val="bg1">
+                              <a:lumMod val="95000"/>
+                            </a:schemeClr>
+                          </a:solidFill>
+                        </a:rPr>
+                        <a:t>Protective Model</a:t>
+                      </a:r>
+                      <a:endParaRPr lang="en-US" sz="1800" b="1" dirty="0">
+                        <a:solidFill>
+                          <a:schemeClr val="bg1">
+                            <a:lumMod val="95000"/>
+                          </a:schemeClr>
+                        </a:solidFill>
+                      </a:endParaRPr>
+                    </a:p>
+                  </a:txBody>
+                  <a:tcPr marT="45737" marB="45737"/>
+                </a:tc>
+                <a:tc>
+                  <a:txBody>
+                    <a:bodyPr/>
+                    <a:lstStyle/>
+                    <a:p>
+                      <a:r>
+                        <a:rPr lang="en-US" sz="1800" dirty="0" smtClean="0">
+                          <a:solidFill>
+                            <a:schemeClr val="bg1"/>
+                          </a:solidFill>
+                        </a:rPr>
+                        <a:t>Reflective Model</a:t>
+                      </a:r>
+                      <a:endParaRPr lang="en-US" sz="1800" dirty="0">
+                        <a:solidFill>
+                          <a:schemeClr val="bg1"/>
+                        </a:solidFill>
+                      </a:endParaRPr>
+                    </a:p>
+                  </a:txBody>
+                  <a:tcPr marT="45737" marB="45737"/>
+                </a:tc>
+              </a:tr>
+              <a:tr h="370973">
+                <a:tc>
+                  <a:txBody>
+                    <a:bodyPr/>
+                    <a:lstStyle/>
+                    <a:p>
+                      <a:r>
+                        <a:rPr lang="en-US" sz="1800" dirty="0" smtClean="0">
+                          <a:solidFill>
+                            <a:schemeClr val="tx1"/>
+                          </a:solidFill>
+                        </a:rPr>
+                        <a:t>Prove a point</a:t>
+                      </a:r>
+                      <a:endParaRPr lang="en-US" sz="1800" dirty="0">
+                        <a:solidFill>
+                          <a:schemeClr val="tx1"/>
+                        </a:solidFill>
+                      </a:endParaRPr>
+                    </a:p>
+                  </a:txBody>
+                  <a:tcPr marT="45737" marB="45737"/>
+                </a:tc>
+                <a:tc>
+                  <a:txBody>
+                    <a:bodyPr/>
+                    <a:lstStyle/>
+                    <a:p>
+                      <a:r>
+                        <a:rPr lang="en-US" sz="1800" dirty="0" smtClean="0">
+                          <a:solidFill>
+                            <a:schemeClr val="tx1"/>
+                          </a:solidFill>
+                        </a:rPr>
+                        <a:t>Promote inquiry</a:t>
+                      </a:r>
+                    </a:p>
+                  </a:txBody>
+                  <a:tcPr marT="45737" marB="45737"/>
+                </a:tc>
+              </a:tr>
+              <a:tr h="370973">
+                <a:tc>
+                  <a:txBody>
+                    <a:bodyPr/>
+                    <a:lstStyle/>
+                    <a:p>
+                      <a:r>
+                        <a:rPr lang="en-US" sz="1800" dirty="0" smtClean="0">
+                          <a:solidFill>
+                            <a:schemeClr val="tx1"/>
+                          </a:solidFill>
+                        </a:rPr>
+                        <a:t>Obscure assumptions</a:t>
+                      </a:r>
+                      <a:endParaRPr lang="en-US" sz="1800" dirty="0">
+                        <a:solidFill>
+                          <a:schemeClr val="tx1"/>
+                        </a:solidFill>
+                      </a:endParaRPr>
+                    </a:p>
+                  </a:txBody>
+                  <a:tcPr marT="45737" marB="45737"/>
+                </a:tc>
+                <a:tc>
+                  <a:txBody>
+                    <a:bodyPr/>
+                    <a:lstStyle/>
+                    <a:p>
+                      <a:r>
+                        <a:rPr lang="en-US" sz="1800" dirty="0" smtClean="0">
+                          <a:solidFill>
+                            <a:schemeClr val="tx1"/>
+                          </a:solidFill>
+                        </a:rPr>
+                        <a:t>Expose hidden assumptions</a:t>
+                      </a:r>
+                      <a:endParaRPr lang="en-US" sz="1800" dirty="0">
+                        <a:solidFill>
+                          <a:schemeClr val="tx1"/>
+                        </a:solidFill>
+                      </a:endParaRPr>
+                    </a:p>
+                  </a:txBody>
+                  <a:tcPr marT="45737" marB="45737"/>
+                </a:tc>
+              </a:tr>
+              <a:tr h="370973">
+                <a:tc>
+                  <a:txBody>
+                    <a:bodyPr/>
+                    <a:lstStyle/>
+                    <a:p>
+                      <a:r>
+                        <a:rPr lang="en-US" sz="1800" dirty="0" smtClean="0">
+                          <a:solidFill>
+                            <a:schemeClr val="tx1"/>
+                          </a:solidFill>
+                        </a:rPr>
+                        <a:t>“Cherry</a:t>
+                      </a:r>
+                      <a:r>
+                        <a:rPr lang="en-US" sz="1800" baseline="0" dirty="0" smtClean="0">
+                          <a:solidFill>
+                            <a:schemeClr val="tx1"/>
+                          </a:solidFill>
+                        </a:rPr>
+                        <a:t> pick” data</a:t>
+                      </a:r>
+                      <a:endParaRPr lang="en-US" sz="1800" dirty="0">
+                        <a:solidFill>
+                          <a:schemeClr val="tx1"/>
+                        </a:solidFill>
+                      </a:endParaRPr>
+                    </a:p>
+                  </a:txBody>
+                  <a:tcPr marT="45737" marB="45737"/>
+                </a:tc>
+                <a:tc>
+                  <a:txBody>
+                    <a:bodyPr/>
+                    <a:lstStyle/>
+                    <a:p>
+                      <a:r>
+                        <a:rPr lang="en-US" sz="1800" dirty="0" smtClean="0">
+                          <a:solidFill>
+                            <a:schemeClr val="tx1"/>
+                          </a:solidFill>
+                        </a:rPr>
+                        <a:t>Identify data weaknesses</a:t>
+                      </a:r>
+                      <a:endParaRPr lang="en-US" sz="1800" dirty="0">
+                        <a:solidFill>
+                          <a:schemeClr val="tx1"/>
+                        </a:solidFill>
+                      </a:endParaRPr>
+                    </a:p>
+                  </a:txBody>
+                  <a:tcPr marT="45737" marB="45737"/>
+                </a:tc>
+              </a:tr>
+              <a:tr h="1188914">
+                <a:tc>
+                  <a:txBody>
+                    <a:bodyPr/>
+                    <a:lstStyle/>
+                    <a:p>
+                      <a:r>
+                        <a:rPr lang="en-US" sz="1800" dirty="0" smtClean="0">
+                          <a:solidFill>
+                            <a:schemeClr val="tx1"/>
+                          </a:solidFill>
+                        </a:rPr>
+                        <a:t>“Prove” preconceptions</a:t>
+                      </a:r>
+                      <a:r>
+                        <a:rPr lang="en-US" sz="1800" baseline="0" dirty="0" smtClean="0">
+                          <a:solidFill>
+                            <a:schemeClr val="tx1"/>
+                          </a:solidFill>
+                        </a:rPr>
+                        <a:t> and preselected answers, while covering biases</a:t>
+                      </a:r>
+                      <a:endParaRPr lang="en-US" sz="1800" dirty="0">
+                        <a:solidFill>
+                          <a:schemeClr val="tx1"/>
+                        </a:solidFill>
+                      </a:endParaRPr>
+                    </a:p>
+                  </a:txBody>
+                  <a:tcPr marT="45737" marB="45737"/>
+                </a:tc>
+                <a:tc>
+                  <a:txBody>
+                    <a:bodyPr/>
+                    <a:lstStyle/>
+                    <a:p>
+                      <a:r>
+                        <a:rPr lang="en-US" sz="1800" dirty="0" smtClean="0">
+                          <a:solidFill>
+                            <a:schemeClr val="tx1"/>
+                          </a:solidFill>
+                        </a:rPr>
+                        <a:t>Challenge</a:t>
+                      </a:r>
+                      <a:r>
+                        <a:rPr lang="en-US" sz="1800" baseline="0" dirty="0" smtClean="0">
+                          <a:solidFill>
+                            <a:schemeClr val="tx1"/>
+                          </a:solidFill>
+                        </a:rPr>
+                        <a:t> beliefs while support multiple perspectives and involving a broad community of interests</a:t>
+                      </a:r>
+                      <a:endParaRPr lang="en-US" sz="1800" dirty="0">
+                        <a:solidFill>
+                          <a:schemeClr val="tx1"/>
+                        </a:solidFill>
+                      </a:endParaRPr>
+                    </a:p>
+                  </a:txBody>
+                  <a:tcPr marT="45737" marB="45737"/>
+                </a:tc>
+              </a:tr>
+              <a:tr h="640308">
+                <a:tc>
+                  <a:txBody>
+                    <a:bodyPr/>
+                    <a:lstStyle/>
+                    <a:p>
+                      <a:r>
+                        <a:rPr lang="en-US" sz="1800" dirty="0" smtClean="0">
+                          <a:solidFill>
+                            <a:schemeClr val="tx1"/>
+                          </a:solidFill>
+                        </a:rPr>
+                        <a:t>Promote the authority</a:t>
+                      </a:r>
+                      <a:r>
+                        <a:rPr lang="en-US" sz="1800" baseline="0" dirty="0" smtClean="0">
+                          <a:solidFill>
+                            <a:schemeClr val="tx1"/>
+                          </a:solidFill>
+                        </a:rPr>
+                        <a:t> of the modeler</a:t>
+                      </a:r>
+                      <a:endParaRPr lang="en-US" sz="1800" dirty="0">
+                        <a:solidFill>
+                          <a:schemeClr val="tx1"/>
+                        </a:solidFill>
+                      </a:endParaRPr>
+                    </a:p>
+                  </a:txBody>
+                  <a:tcPr marT="45737" marB="45737"/>
+                </a:tc>
+                <a:tc>
+                  <a:txBody>
+                    <a:bodyPr/>
+                    <a:lstStyle/>
+                    <a:p>
+                      <a:r>
+                        <a:rPr lang="en-US" sz="1800" dirty="0" smtClean="0">
+                          <a:solidFill>
+                            <a:schemeClr val="tx1"/>
+                          </a:solidFill>
+                        </a:rPr>
+                        <a:t>Promote the empowerment of clients</a:t>
+                      </a:r>
+                      <a:endParaRPr lang="en-US" sz="1800" dirty="0">
+                        <a:solidFill>
+                          <a:schemeClr val="tx1"/>
+                        </a:solidFill>
+                      </a:endParaRPr>
+                    </a:p>
+                  </a:txBody>
+                  <a:tcPr marT="45737" marB="45737"/>
+                </a:tc>
+              </a:tr>
+            </a:tbl>
+          </a:graphicData>
+        </a:graphic>
+      </p:graphicFrame>
+      <p:sp>
+        <p:nvSpPr>
+          <p:cNvPr id="9244" name="Text Box 10"/>
+          <p:cNvSpPr txBox="1">
+            <a:spLocks noChangeArrowheads="1"/>
+          </p:cNvSpPr>
+          <p:nvPr/>
+        </p:nvSpPr>
+        <p:spPr bwMode="auto">
+          <a:xfrm>
+            <a:off x="381000" y="5632450"/>
+            <a:ext cx="2362200" cy="800100"/>
+          </a:xfrm>
+          <a:prstGeom prst="rect">
+            <a:avLst/>
+          </a:prstGeom>
+          <a:noFill/>
+          <a:ln>
+            <a:noFill/>
+          </a:ln>
+          <a:extLst>
+            <a:ext uri="{909E8E84-426E-40DD-AFC4-6F175D3DCCD1}">
+              <a14:hiddenFill xmlns:a14="http://schemas.microsoft.com/office/drawing/2010/main">
+                <a:solidFill>
+                  <a:srgbClr val="FFFFFF"/>
+                </a:solidFill>
+              </a14:hiddenFill>
+            </a:ext>
+            <a:ext uri="{91240B29-F687-4F45-9708-019B960494DF}">
+              <a14:hiddenLine xmlns:a14="http://schemas.microsoft.com/office/drawing/2010/main" w="9525">
+                <a:solidFill>
+                  <a:srgbClr val="000000"/>
+                </a:solidFill>
+                <a:miter lim="800000"/>
+                <a:headEnd/>
+                <a:tailEnd/>
+              </a14:hiddenLine>
+            </a:ext>
+          </a:extLst>
+        </p:spPr>
+        <p:txBody>
+          <a:bodyPr>
+            <a:spAutoFit/>
+          </a:bodyPr>
+          <a:lstStyle>
+            <a:lvl1pPr>
+              <a:defRPr>
+                <a:solidFill>
+                  <a:schemeClr val="tx1"/>
+                </a:solidFill>
+                <a:latin typeface="Tahoma" pitchFamily="34" charset="0"/>
+              </a:defRPr>
+            </a:lvl1pPr>
+            <a:lvl2pPr marL="742950" indent="-285750">
+              <a:defRPr>
+                <a:solidFill>
+                  <a:schemeClr val="tx1"/>
+                </a:solidFill>
+                <a:latin typeface="Tahoma" pitchFamily="34" charset="0"/>
+              </a:defRPr>
+            </a:lvl2pPr>
+            <a:lvl3pPr marL="1143000" indent="-228600">
+              <a:defRPr>
+                <a:solidFill>
+                  <a:schemeClr val="tx1"/>
+                </a:solidFill>
+                <a:latin typeface="Tahoma" pitchFamily="34" charset="0"/>
+              </a:defRPr>
+            </a:lvl3pPr>
+            <a:lvl4pPr marL="1600200" indent="-228600">
+              <a:defRPr>
+                <a:solidFill>
+                  <a:schemeClr val="tx1"/>
+                </a:solidFill>
+                <a:latin typeface="Tahoma" pitchFamily="34" charset="0"/>
+              </a:defRPr>
+            </a:lvl4pPr>
+            <a:lvl5pPr marL="2057400" indent="-228600">
+              <a:defRPr>
+                <a:solidFill>
+                  <a:schemeClr val="tx1"/>
+                </a:solidFill>
+                <a:latin typeface="Tahoma" pitchFamily="34" charset="0"/>
+              </a:defRPr>
+            </a:lvl5pPr>
+            <a:lvl6pPr marL="2514600" indent="-228600" eaLnBrk="0" fontAlgn="base" hangingPunct="0">
+              <a:spcBef>
+                <a:spcPct val="0"/>
+              </a:spcBef>
+              <a:spcAft>
+                <a:spcPct val="0"/>
+              </a:spcAft>
+              <a:defRPr>
+                <a:solidFill>
+                  <a:schemeClr val="tx1"/>
+                </a:solidFill>
+                <a:latin typeface="Tahoma" pitchFamily="34" charset="0"/>
+              </a:defRPr>
+            </a:lvl6pPr>
+            <a:lvl7pPr marL="2971800" indent="-228600" eaLnBrk="0" fontAlgn="base" hangingPunct="0">
+              <a:spcBef>
+                <a:spcPct val="0"/>
+              </a:spcBef>
+              <a:spcAft>
+                <a:spcPct val="0"/>
+              </a:spcAft>
+              <a:defRPr>
+                <a:solidFill>
+                  <a:schemeClr val="tx1"/>
+                </a:solidFill>
+                <a:latin typeface="Tahoma" pitchFamily="34" charset="0"/>
+              </a:defRPr>
+            </a:lvl7pPr>
+            <a:lvl8pPr marL="3429000" indent="-228600" eaLnBrk="0" fontAlgn="base" hangingPunct="0">
+              <a:spcBef>
+                <a:spcPct val="0"/>
+              </a:spcBef>
+              <a:spcAft>
+                <a:spcPct val="0"/>
+              </a:spcAft>
+              <a:defRPr>
+                <a:solidFill>
+                  <a:schemeClr val="tx1"/>
+                </a:solidFill>
+                <a:latin typeface="Tahoma" pitchFamily="34" charset="0"/>
+              </a:defRPr>
+            </a:lvl8pPr>
+            <a:lvl9pPr marL="3886200" indent="-228600" eaLnBrk="0" fontAlgn="base" hangingPunct="0">
+              <a:spcBef>
+                <a:spcPct val="0"/>
+              </a:spcBef>
+              <a:spcAft>
+                <a:spcPct val="0"/>
+              </a:spcAft>
+              <a:defRPr>
+                <a:solidFill>
+                  <a:schemeClr val="tx1"/>
+                </a:solidFill>
+                <a:latin typeface="Tahoma" pitchFamily="34" charset="0"/>
+              </a:defRPr>
+            </a:lvl9pPr>
+          </a:lstStyle>
+          <a:p>
+            <a:r>
+              <a:rPr lang="en-US" sz="1200">
+                <a:solidFill>
+                  <a:schemeClr val="tx2"/>
+                </a:solidFill>
+              </a:rPr>
+              <a:t>Adapted/revised from Sterman, 2000, from Isaacs and Senge, 1992</a:t>
+            </a:r>
+            <a:endParaRPr lang="en-US" sz="1000">
+              <a:solidFill>
+                <a:schemeClr val="tx2"/>
+              </a:solidFill>
+            </a:endParaRPr>
+          </a:p>
+          <a:p>
+            <a:pPr>
+              <a:buFontTx/>
+              <a:buChar char="•"/>
+            </a:pPr>
+            <a:endParaRPr lang="en-US" sz="1000">
+              <a:solidFill>
+                <a:schemeClr val="tx2"/>
+              </a:solidFill>
+            </a:endParaRPr>
+          </a:p>
+        </p:txBody>
+      </p:sp>
+    </p:spTree>
+    <p:extLst>
+      <p:ext uri="{BB962C8B-B14F-4D97-AF65-F5344CB8AC3E}">
+        <p14:creationId xmlns:p14="http://schemas.microsoft.com/office/powerpoint/2010/main" val="3964379377"/>
+      </p:ext>
+    </p:extLst>
+  </p:cSld>
+  <p:clrMapOvr>
+    <a:masterClrMapping/>
+  </p:clrMapOvr>
+  <p:timing>
+    <p:tnLst>
+      <p:par>
+        <p:cTn id="1" dur="indefinite" restart="never" nodeType="tmRoot"/>
+      </p:par>
+    </p:tnLst>
+  </p:timing>
+</p:sld>
+</file>
+
+<file path=ppt/slides/slide4.xml><?xml version="1.0" encoding="utf-8"?>
 <p:sld xmlns:a="http://schemas.openxmlformats.org/drawingml/2006/main" xmlns:r="http://schemas.openxmlformats.org/officeDocument/2006/relationships" xmlns:p="http://schemas.openxmlformats.org/presentationml/2006/main">
   <p:cSld>
     <p:spTree>
@@ -4155,7 +5054,7 @@
 </p:sld>
 </file>
 
-<file path=ppt/slides/slide4.xml><?xml version="1.0" encoding="utf-8"?>
+<file path=ppt/slides/slide5.xml><?xml version="1.0" encoding="utf-8"?>
 <p:sld xmlns:a="http://schemas.openxmlformats.org/drawingml/2006/main" xmlns:r="http://schemas.openxmlformats.org/officeDocument/2006/relationships" xmlns:p="http://schemas.openxmlformats.org/presentationml/2006/main">
   <p:cSld>
     <p:spTree>
@@ -4329,98 +5228,6 @@
         </p:spPr>
       </p:pic>
     </p:spTree>
-  </p:cSld>
-  <p:clrMapOvr>
-    <a:masterClrMapping/>
-  </p:clrMapOvr>
-  <p:timing>
-    <p:tnLst>
-      <p:par>
-        <p:cTn id="1" dur="indefinite" restart="never" nodeType="tmRoot"/>
-      </p:par>
-    </p:tnLst>
-  </p:timing>
-</p:sld>
-</file>
-
-<file path=ppt/slides/slide5.xml><?xml version="1.0" encoding="utf-8"?>
-<p:sld xmlns:a="http://schemas.openxmlformats.org/drawingml/2006/main" xmlns:r="http://schemas.openxmlformats.org/officeDocument/2006/relationships" xmlns:p="http://schemas.openxmlformats.org/presentationml/2006/main">
-  <p:cSld>
-    <p:spTree>
-      <p:nvGrpSpPr>
-        <p:cNvPr id="1" name=""/>
-        <p:cNvGrpSpPr/>
-        <p:nvPr/>
-      </p:nvGrpSpPr>
-      <p:grpSpPr>
-        <a:xfrm>
-          <a:off x="0" y="0"/>
-          <a:ext cx="0" cy="0"/>
-          <a:chOff x="0" y="0"/>
-          <a:chExt cx="0" cy="0"/>
-        </a:xfrm>
-      </p:grpSpPr>
-      <p:sp>
-        <p:nvSpPr>
-          <p:cNvPr id="2" name="Title 1"/>
-          <p:cNvSpPr>
-            <a:spLocks noGrp="1"/>
-          </p:cNvSpPr>
-          <p:nvPr>
-            <p:ph type="title"/>
-          </p:nvPr>
-        </p:nvSpPr>
-        <p:spPr/>
-        <p:txBody>
-          <a:bodyPr>
-            <a:normAutofit fontScale="90000"/>
-          </a:bodyPr>
-          <a:lstStyle/>
-          <a:p>
-            <a:r>
-              <a:rPr lang="en-US" dirty="0" smtClean="0"/>
-              <a:t>Dimensionality/Detail complexity</a:t>
-            </a:r>
-            <a:endParaRPr lang="en-US" dirty="0"/>
-          </a:p>
-        </p:txBody>
-      </p:sp>
-      <p:pic>
-        <p:nvPicPr>
-          <p:cNvPr id="9" name="Picture 8"/>
-          <p:cNvPicPr/>
-          <p:nvPr/>
-        </p:nvPicPr>
-        <p:blipFill>
-          <a:blip r:embed="rId2">
-            <a:extLst>
-              <a:ext uri="{28A0092B-C50C-407E-A947-70E740481C1C}">
-                <a14:useLocalDpi xmlns:a14="http://schemas.microsoft.com/office/drawing/2010/main" val="0"/>
-              </a:ext>
-            </a:extLst>
-          </a:blip>
-          <a:srcRect/>
-          <a:stretch>
-            <a:fillRect/>
-          </a:stretch>
-        </p:blipFill>
-        <p:spPr bwMode="auto">
-          <a:xfrm>
-            <a:off x="1368425" y="914400"/>
-            <a:ext cx="6407150" cy="5815965"/>
-          </a:xfrm>
-          <a:prstGeom prst="rect">
-            <a:avLst/>
-          </a:prstGeom>
-          <a:noFill/>
-        </p:spPr>
-      </p:pic>
-    </p:spTree>
-    <p:extLst>
-      <p:ext uri="{BB962C8B-B14F-4D97-AF65-F5344CB8AC3E}">
-        <p14:creationId xmlns:p14="http://schemas.microsoft.com/office/powerpoint/2010/main" val="3450266778"/>
-      </p:ext>
-    </p:extLst>
   </p:cSld>
   <p:clrMapOvr>
     <a:masterClrMapping/>
@@ -4471,7 +5278,7 @@
           <a:p>
             <a:r>
               <a:rPr lang="en-US" dirty="0" smtClean="0"/>
-              <a:t>Flows between regions</a:t>
+              <a:t>Dimensionality/Detail complexity</a:t>
             </a:r>
             <a:endParaRPr lang="en-US" dirty="0"/>
           </a:p>
@@ -4479,14 +5286,12 @@
       </p:sp>
       <p:pic>
         <p:nvPicPr>
-          <p:cNvPr id="7" name="Picture 6"/>
-          <p:cNvPicPr>
-            <a:picLocks noChangeAspect="1"/>
-          </p:cNvPicPr>
+          <p:cNvPr id="9" name="Picture 8"/>
+          <p:cNvPicPr/>
           <p:nvPr/>
         </p:nvPicPr>
         <p:blipFill>
-          <a:blip r:embed="rId2" cstate="print">
+          <a:blip r:embed="rId2">
             <a:extLst>
               <a:ext uri="{28A0092B-C50C-407E-A947-70E740481C1C}">
                 <a14:useLocalDpi xmlns:a14="http://schemas.microsoft.com/office/drawing/2010/main" val="0"/>
@@ -4500,8 +5305,8 @@
         </p:blipFill>
         <p:spPr bwMode="auto">
           <a:xfrm>
-            <a:off x="381000" y="1219200"/>
-            <a:ext cx="8242506" cy="4871126"/>
+            <a:off x="1368425" y="914400"/>
+            <a:ext cx="6407150" cy="5815965"/>
           </a:xfrm>
           <a:prstGeom prst="rect">
             <a:avLst/>
@@ -4509,253 +5314,12 @@
           <a:noFill/>
         </p:spPr>
       </p:pic>
-      <p:sp>
-        <p:nvSpPr>
-          <p:cNvPr id="8" name="Right Arrow 7"/>
-          <p:cNvSpPr/>
-          <p:nvPr/>
-        </p:nvSpPr>
-        <p:spPr>
-          <a:xfrm>
-            <a:off x="4311753" y="2352675"/>
-            <a:ext cx="381000" cy="1066800"/>
-          </a:xfrm>
-          <a:prstGeom prst="rightArrow">
-            <a:avLst/>
-          </a:prstGeom>
-          <a:solidFill>
-            <a:schemeClr val="bg1">
-              <a:lumMod val="85000"/>
-            </a:schemeClr>
-          </a:solidFill>
-          <a:ln>
-            <a:noFill/>
-          </a:ln>
-        </p:spPr>
-        <p:style>
-          <a:lnRef idx="2">
-            <a:schemeClr val="accent1">
-              <a:shade val="50000"/>
-            </a:schemeClr>
-          </a:lnRef>
-          <a:fillRef idx="1">
-            <a:schemeClr val="accent1"/>
-          </a:fillRef>
-          <a:effectRef idx="0">
-            <a:schemeClr val="accent1"/>
-          </a:effectRef>
-          <a:fontRef idx="minor">
-            <a:schemeClr val="lt1"/>
-          </a:fontRef>
-        </p:style>
-        <p:txBody>
-          <a:bodyPr rtlCol="0" anchor="ctr"/>
-          <a:lstStyle/>
-          <a:p>
-            <a:pPr algn="ctr"/>
-            <a:endParaRPr lang="en-US"/>
-          </a:p>
-        </p:txBody>
-      </p:sp>
-      <p:sp>
-        <p:nvSpPr>
-          <p:cNvPr id="9" name="Right Arrow 8"/>
-          <p:cNvSpPr/>
-          <p:nvPr/>
-        </p:nvSpPr>
-        <p:spPr>
-          <a:xfrm rot="5400000">
-            <a:off x="6219825" y="2552700"/>
-            <a:ext cx="381000" cy="1066800"/>
-          </a:xfrm>
-          <a:prstGeom prst="rightArrow">
-            <a:avLst/>
-          </a:prstGeom>
-          <a:solidFill>
-            <a:schemeClr val="bg1">
-              <a:lumMod val="85000"/>
-            </a:schemeClr>
-          </a:solidFill>
-          <a:ln>
-            <a:noFill/>
-          </a:ln>
-        </p:spPr>
-        <p:style>
-          <a:lnRef idx="2">
-            <a:schemeClr val="accent1">
-              <a:shade val="50000"/>
-            </a:schemeClr>
-          </a:lnRef>
-          <a:fillRef idx="1">
-            <a:schemeClr val="accent1"/>
-          </a:fillRef>
-          <a:effectRef idx="0">
-            <a:schemeClr val="accent1"/>
-          </a:effectRef>
-          <a:fontRef idx="minor">
-            <a:schemeClr val="lt1"/>
-          </a:fontRef>
-        </p:style>
-        <p:txBody>
-          <a:bodyPr rtlCol="0" anchor="ctr"/>
-          <a:lstStyle/>
-          <a:p>
-            <a:pPr algn="ctr"/>
-            <a:endParaRPr lang="en-US"/>
-          </a:p>
-        </p:txBody>
-      </p:sp>
-      <p:sp>
-        <p:nvSpPr>
-          <p:cNvPr id="10" name="Right Arrow 9"/>
-          <p:cNvSpPr/>
-          <p:nvPr/>
-        </p:nvSpPr>
-        <p:spPr>
-          <a:xfrm rot="10800000">
-            <a:off x="4219573" y="3733800"/>
-            <a:ext cx="381000" cy="1066800"/>
-          </a:xfrm>
-          <a:prstGeom prst="rightArrow">
-            <a:avLst/>
-          </a:prstGeom>
-          <a:solidFill>
-            <a:schemeClr val="bg1">
-              <a:lumMod val="85000"/>
-            </a:schemeClr>
-          </a:solidFill>
-          <a:ln>
-            <a:noFill/>
-          </a:ln>
-        </p:spPr>
-        <p:style>
-          <a:lnRef idx="2">
-            <a:schemeClr val="accent1">
-              <a:shade val="50000"/>
-            </a:schemeClr>
-          </a:lnRef>
-          <a:fillRef idx="1">
-            <a:schemeClr val="accent1"/>
-          </a:fillRef>
-          <a:effectRef idx="0">
-            <a:schemeClr val="accent1"/>
-          </a:effectRef>
-          <a:fontRef idx="minor">
-            <a:schemeClr val="lt1"/>
-          </a:fontRef>
-        </p:style>
-        <p:txBody>
-          <a:bodyPr rtlCol="0" anchor="ctr"/>
-          <a:lstStyle/>
-          <a:p>
-            <a:pPr algn="ctr"/>
-            <a:endParaRPr lang="en-US"/>
-          </a:p>
-        </p:txBody>
-      </p:sp>
-      <p:sp>
-        <p:nvSpPr>
-          <p:cNvPr id="11" name="Right Arrow 10"/>
-          <p:cNvSpPr/>
-          <p:nvPr/>
-        </p:nvSpPr>
-        <p:spPr>
-          <a:xfrm rot="10800000">
-            <a:off x="4283173" y="4966376"/>
-            <a:ext cx="381000" cy="1066800"/>
-          </a:xfrm>
-          <a:prstGeom prst="rightArrow">
-            <a:avLst/>
-          </a:prstGeom>
-          <a:solidFill>
-            <a:schemeClr val="bg1">
-              <a:lumMod val="85000"/>
-            </a:schemeClr>
-          </a:solidFill>
-          <a:ln>
-            <a:noFill/>
-          </a:ln>
-        </p:spPr>
-        <p:style>
-          <a:lnRef idx="2">
-            <a:schemeClr val="accent1">
-              <a:shade val="50000"/>
-            </a:schemeClr>
-          </a:lnRef>
-          <a:fillRef idx="1">
-            <a:schemeClr val="accent1"/>
-          </a:fillRef>
-          <a:effectRef idx="0">
-            <a:schemeClr val="accent1"/>
-          </a:effectRef>
-          <a:fontRef idx="minor">
-            <a:schemeClr val="lt1"/>
-          </a:fontRef>
-        </p:style>
-        <p:txBody>
-          <a:bodyPr rtlCol="0" anchor="ctr"/>
-          <a:lstStyle/>
-          <a:p>
-            <a:pPr algn="ctr"/>
-            <a:endParaRPr lang="en-US"/>
-          </a:p>
-        </p:txBody>
-      </p:sp>
-      <p:pic>
-        <p:nvPicPr>
-          <p:cNvPr id="3074" name="Picture 2"/>
-          <p:cNvPicPr>
-            <a:picLocks noChangeAspect="1" noChangeArrowheads="1"/>
-          </p:cNvPicPr>
-          <p:nvPr/>
-        </p:nvPicPr>
-        <p:blipFill>
-          <a:blip r:embed="rId3">
-            <a:extLst>
-              <a:ext uri="{28A0092B-C50C-407E-A947-70E740481C1C}">
-                <a14:useLocalDpi xmlns:a14="http://schemas.microsoft.com/office/drawing/2010/main" val="0"/>
-              </a:ext>
-            </a:extLst>
-          </a:blip>
-          <a:srcRect/>
-          <a:stretch>
-            <a:fillRect/>
-          </a:stretch>
-        </p:blipFill>
-        <p:spPr bwMode="auto">
-          <a:xfrm>
-            <a:off x="9144000" y="0"/>
-            <a:ext cx="5934075" cy="4200525"/>
-          </a:xfrm>
-          <a:prstGeom prst="rect">
-            <a:avLst/>
-          </a:prstGeom>
-          <a:noFill/>
-          <a:ln>
-            <a:noFill/>
-          </a:ln>
-          <a:extLst>
-            <a:ext uri="{909E8E84-426E-40DD-AFC4-6F175D3DCCD1}">
-              <a14:hiddenFill xmlns:a14="http://schemas.microsoft.com/office/drawing/2010/main">
-                <a:solidFill>
-                  <a:schemeClr val="accent1"/>
-                </a:solidFill>
-              </a14:hiddenFill>
-            </a:ext>
-            <a:ext uri="{91240B29-F687-4F45-9708-019B960494DF}">
-              <a14:hiddenLine xmlns:a14="http://schemas.microsoft.com/office/drawing/2010/main" w="9525">
-                <a:solidFill>
-                  <a:schemeClr val="tx1"/>
-                </a:solidFill>
-                <a:miter lim="800000"/>
-                <a:headEnd/>
-                <a:tailEnd/>
-              </a14:hiddenLine>
-            </a:ext>
-          </a:extLst>
-        </p:spPr>
-      </p:pic>
     </p:spTree>
+    <p:extLst>
+      <p:ext uri="{BB962C8B-B14F-4D97-AF65-F5344CB8AC3E}">
+        <p14:creationId xmlns:p14="http://schemas.microsoft.com/office/powerpoint/2010/main" val="3450266778"/>
+      </p:ext>
+    </p:extLst>
   </p:cSld>
   <p:clrMapOvr>
     <a:masterClrMapping/>
@@ -4806,136 +5370,290 @@
           <a:p>
             <a:r>
               <a:rPr lang="en-US" dirty="0" smtClean="0"/>
-              <a:t>Challenges</a:t>
+              <a:t>Flows between regions</a:t>
             </a:r>
             <a:endParaRPr lang="en-US" dirty="0"/>
           </a:p>
         </p:txBody>
       </p:sp>
-      <p:sp>
-        <p:nvSpPr>
-          <p:cNvPr id="3" name="Content Placeholder 2"/>
-          <p:cNvSpPr>
-            <a:spLocks noGrp="1"/>
-          </p:cNvSpPr>
-          <p:nvPr>
-            <p:ph idx="1"/>
-          </p:nvPr>
-        </p:nvSpPr>
-        <p:spPr/>
-        <p:txBody>
-          <a:bodyPr>
-            <a:normAutofit lnSpcReduction="10000"/>
-          </a:bodyPr>
+      <p:pic>
+        <p:nvPicPr>
+          <p:cNvPr id="7" name="Picture 6"/>
+          <p:cNvPicPr>
+            <a:picLocks noChangeAspect="1"/>
+          </p:cNvPicPr>
+          <p:nvPr/>
+        </p:nvPicPr>
+        <p:blipFill>
+          <a:blip r:embed="rId2" cstate="print">
+            <a:extLst>
+              <a:ext uri="{28A0092B-C50C-407E-A947-70E740481C1C}">
+                <a14:useLocalDpi xmlns:a14="http://schemas.microsoft.com/office/drawing/2010/main" val="0"/>
+              </a:ext>
+            </a:extLst>
+          </a:blip>
+          <a:srcRect/>
+          <a:stretch>
+            <a:fillRect/>
+          </a:stretch>
+        </p:blipFill>
+        <p:spPr bwMode="auto">
+          <a:xfrm>
+            <a:off x="381000" y="1219200"/>
+            <a:ext cx="8242506" cy="4871126"/>
+          </a:xfrm>
+          <a:prstGeom prst="rect">
+            <a:avLst/>
+          </a:prstGeom>
+          <a:noFill/>
+        </p:spPr>
+      </p:pic>
+      <p:sp>
+        <p:nvSpPr>
+          <p:cNvPr id="8" name="Right Arrow 7"/>
+          <p:cNvSpPr/>
+          <p:nvPr/>
+        </p:nvSpPr>
+        <p:spPr>
+          <a:xfrm>
+            <a:off x="4311753" y="2352675"/>
+            <a:ext cx="381000" cy="1066800"/>
+          </a:xfrm>
+          <a:prstGeom prst="rightArrow">
+            <a:avLst/>
+          </a:prstGeom>
+          <a:solidFill>
+            <a:schemeClr val="bg1">
+              <a:lumMod val="85000"/>
+            </a:schemeClr>
+          </a:solidFill>
+          <a:ln>
+            <a:noFill/>
+          </a:ln>
+        </p:spPr>
+        <p:style>
+          <a:lnRef idx="2">
+            <a:schemeClr val="accent1">
+              <a:shade val="50000"/>
+            </a:schemeClr>
+          </a:lnRef>
+          <a:fillRef idx="1">
+            <a:schemeClr val="accent1"/>
+          </a:fillRef>
+          <a:effectRef idx="0">
+            <a:schemeClr val="accent1"/>
+          </a:effectRef>
+          <a:fontRef idx="minor">
+            <a:schemeClr val="lt1"/>
+          </a:fontRef>
+        </p:style>
+        <p:txBody>
+          <a:bodyPr rtlCol="0" anchor="ctr"/>
           <a:lstStyle/>
           <a:p>
-            <a:pPr marL="514350" lvl="0" indent="-514350">
-              <a:buFont typeface="+mj-lt"/>
-              <a:buAutoNum type="arabicPeriod"/>
-            </a:pPr>
-            <a:r>
-              <a:rPr lang="en-US" dirty="0" smtClean="0"/>
-              <a:t>Detail complexity resulting from multiple region structure of model</a:t>
-            </a:r>
-          </a:p>
-          <a:p>
-            <a:pPr marL="514350" lvl="0" indent="-514350">
-              <a:buFont typeface="+mj-lt"/>
-              <a:buAutoNum type="arabicPeriod"/>
-            </a:pPr>
-            <a:endParaRPr lang="en-US" dirty="0"/>
-          </a:p>
-          <a:p>
-            <a:pPr marL="514350" lvl="0" indent="-514350">
-              <a:buFont typeface="+mj-lt"/>
-              <a:buAutoNum type="arabicPeriod"/>
-            </a:pPr>
-            <a:r>
-              <a:rPr lang="en-US" dirty="0" smtClean="0"/>
-              <a:t>Uncertainty around data</a:t>
-            </a:r>
-          </a:p>
-          <a:p>
-            <a:pPr marL="514350" lvl="0" indent="-514350">
-              <a:buFont typeface="+mj-lt"/>
-              <a:buAutoNum type="arabicPeriod"/>
-            </a:pPr>
-            <a:endParaRPr lang="en-US" dirty="0" smtClean="0"/>
-          </a:p>
-          <a:p>
-            <a:pPr marL="514350" lvl="0" indent="-514350">
-              <a:buFont typeface="+mj-lt"/>
-              <a:buAutoNum type="arabicPeriod"/>
-            </a:pPr>
-            <a:r>
-              <a:rPr lang="en-US" dirty="0" smtClean="0"/>
-              <a:t>Calibration</a:t>
-            </a:r>
-          </a:p>
-          <a:p>
-            <a:pPr marL="514350" lvl="0" indent="-514350">
-              <a:buFont typeface="+mj-lt"/>
-              <a:buAutoNum type="arabicPeriod"/>
-            </a:pPr>
-            <a:endParaRPr lang="en-US" dirty="0"/>
-          </a:p>
-          <a:p>
-            <a:pPr marL="514350" lvl="0" indent="-514350">
-              <a:buFont typeface="+mj-lt"/>
-              <a:buAutoNum type="arabicPeriod"/>
-            </a:pPr>
-            <a:r>
-              <a:rPr lang="en-US" dirty="0" smtClean="0"/>
-              <a:t>International Trade</a:t>
-            </a:r>
-          </a:p>
-          <a:p>
-            <a:pPr marL="514350" lvl="0" indent="-514350">
-              <a:buFont typeface="+mj-lt"/>
-              <a:buAutoNum type="arabicPeriod"/>
-            </a:pPr>
-            <a:endParaRPr lang="en-US" dirty="0"/>
-          </a:p>
-          <a:p>
-            <a:pPr marL="514350" lvl="0" indent="-514350">
-              <a:buFont typeface="+mj-lt"/>
-              <a:buAutoNum type="arabicPeriod"/>
-            </a:pPr>
-            <a:r>
-              <a:rPr lang="en-US" dirty="0" smtClean="0"/>
-              <a:t>Region-specific, animal-product-induced demand for commodities, forage, pasture</a:t>
-            </a:r>
-          </a:p>
-          <a:p>
-            <a:pPr marL="514350" lvl="0" indent="-514350">
-              <a:buFont typeface="+mj-lt"/>
-              <a:buAutoNum type="arabicPeriod"/>
-            </a:pPr>
-            <a:endParaRPr lang="en-US" dirty="0"/>
-          </a:p>
-          <a:p>
-            <a:pPr marL="514350" lvl="0" indent="-514350">
-              <a:buFont typeface="+mj-lt"/>
-              <a:buAutoNum type="arabicPeriod"/>
-            </a:pPr>
-            <a:endParaRPr lang="en-US" dirty="0" smtClean="0"/>
-          </a:p>
-          <a:p>
-            <a:pPr marL="514350" lvl="0" indent="-514350">
-              <a:buFont typeface="+mj-lt"/>
-              <a:buAutoNum type="arabicPeriod"/>
-            </a:pPr>
-            <a:endParaRPr lang="en-US" dirty="0"/>
-          </a:p>
-          <a:p>
-            <a:pPr marL="514350" lvl="0" indent="-514350">
-              <a:buFont typeface="+mj-lt"/>
-              <a:buAutoNum type="arabicPeriod"/>
-            </a:pPr>
-            <a:endParaRPr lang="en-US" dirty="0" smtClean="0"/>
-          </a:p>
-        </p:txBody>
-      </p:sp>
+            <a:pPr algn="ctr"/>
+            <a:endParaRPr lang="en-US"/>
+          </a:p>
+        </p:txBody>
+      </p:sp>
+      <p:sp>
+        <p:nvSpPr>
+          <p:cNvPr id="9" name="Right Arrow 8"/>
+          <p:cNvSpPr/>
+          <p:nvPr/>
+        </p:nvSpPr>
+        <p:spPr>
+          <a:xfrm rot="5400000">
+            <a:off x="6219825" y="2552700"/>
+            <a:ext cx="381000" cy="1066800"/>
+          </a:xfrm>
+          <a:prstGeom prst="rightArrow">
+            <a:avLst/>
+          </a:prstGeom>
+          <a:solidFill>
+            <a:schemeClr val="bg1">
+              <a:lumMod val="85000"/>
+            </a:schemeClr>
+          </a:solidFill>
+          <a:ln>
+            <a:noFill/>
+          </a:ln>
+        </p:spPr>
+        <p:style>
+          <a:lnRef idx="2">
+            <a:schemeClr val="accent1">
+              <a:shade val="50000"/>
+            </a:schemeClr>
+          </a:lnRef>
+          <a:fillRef idx="1">
+            <a:schemeClr val="accent1"/>
+          </a:fillRef>
+          <a:effectRef idx="0">
+            <a:schemeClr val="accent1"/>
+          </a:effectRef>
+          <a:fontRef idx="minor">
+            <a:schemeClr val="lt1"/>
+          </a:fontRef>
+        </p:style>
+        <p:txBody>
+          <a:bodyPr rtlCol="0" anchor="ctr"/>
+          <a:lstStyle/>
+          <a:p>
+            <a:pPr algn="ctr"/>
+            <a:endParaRPr lang="en-US"/>
+          </a:p>
+        </p:txBody>
+      </p:sp>
+      <p:sp>
+        <p:nvSpPr>
+          <p:cNvPr id="10" name="Right Arrow 9"/>
+          <p:cNvSpPr/>
+          <p:nvPr/>
+        </p:nvSpPr>
+        <p:spPr>
+          <a:xfrm rot="10800000">
+            <a:off x="4219573" y="3733800"/>
+            <a:ext cx="381000" cy="1066800"/>
+          </a:xfrm>
+          <a:prstGeom prst="rightArrow">
+            <a:avLst/>
+          </a:prstGeom>
+          <a:solidFill>
+            <a:schemeClr val="bg1">
+              <a:lumMod val="85000"/>
+            </a:schemeClr>
+          </a:solidFill>
+          <a:ln>
+            <a:noFill/>
+          </a:ln>
+        </p:spPr>
+        <p:style>
+          <a:lnRef idx="2">
+            <a:schemeClr val="accent1">
+              <a:shade val="50000"/>
+            </a:schemeClr>
+          </a:lnRef>
+          <a:fillRef idx="1">
+            <a:schemeClr val="accent1"/>
+          </a:fillRef>
+          <a:effectRef idx="0">
+            <a:schemeClr val="accent1"/>
+          </a:effectRef>
+          <a:fontRef idx="minor">
+            <a:schemeClr val="lt1"/>
+          </a:fontRef>
+        </p:style>
+        <p:txBody>
+          <a:bodyPr rtlCol="0" anchor="ctr"/>
+          <a:lstStyle/>
+          <a:p>
+            <a:pPr algn="ctr"/>
+            <a:endParaRPr lang="en-US"/>
+          </a:p>
+        </p:txBody>
+      </p:sp>
+      <p:sp>
+        <p:nvSpPr>
+          <p:cNvPr id="11" name="Right Arrow 10"/>
+          <p:cNvSpPr/>
+          <p:nvPr/>
+        </p:nvSpPr>
+        <p:spPr>
+          <a:xfrm rot="10800000">
+            <a:off x="4283173" y="4966376"/>
+            <a:ext cx="381000" cy="1066800"/>
+          </a:xfrm>
+          <a:prstGeom prst="rightArrow">
+            <a:avLst/>
+          </a:prstGeom>
+          <a:solidFill>
+            <a:schemeClr val="bg1">
+              <a:lumMod val="85000"/>
+            </a:schemeClr>
+          </a:solidFill>
+          <a:ln>
+            <a:noFill/>
+          </a:ln>
+        </p:spPr>
+        <p:style>
+          <a:lnRef idx="2">
+            <a:schemeClr val="accent1">
+              <a:shade val="50000"/>
+            </a:schemeClr>
+          </a:lnRef>
+          <a:fillRef idx="1">
+            <a:schemeClr val="accent1"/>
+          </a:fillRef>
+          <a:effectRef idx="0">
+            <a:schemeClr val="accent1"/>
+          </a:effectRef>
+          <a:fontRef idx="minor">
+            <a:schemeClr val="lt1"/>
+          </a:fontRef>
+        </p:style>
+        <p:txBody>
+          <a:bodyPr rtlCol="0" anchor="ctr"/>
+          <a:lstStyle/>
+          <a:p>
+            <a:pPr algn="ctr"/>
+            <a:endParaRPr lang="en-US"/>
+          </a:p>
+        </p:txBody>
+      </p:sp>
+      <p:pic>
+        <p:nvPicPr>
+          <p:cNvPr id="3074" name="Picture 2"/>
+          <p:cNvPicPr>
+            <a:picLocks noChangeAspect="1" noChangeArrowheads="1"/>
+          </p:cNvPicPr>
+          <p:nvPr/>
+        </p:nvPicPr>
+        <p:blipFill>
+          <a:blip r:embed="rId3">
+            <a:extLst>
+              <a:ext uri="{28A0092B-C50C-407E-A947-70E740481C1C}">
+                <a14:useLocalDpi xmlns:a14="http://schemas.microsoft.com/office/drawing/2010/main" val="0"/>
+              </a:ext>
+            </a:extLst>
+          </a:blip>
+          <a:srcRect/>
+          <a:stretch>
+            <a:fillRect/>
+          </a:stretch>
+        </p:blipFill>
+        <p:spPr bwMode="auto">
+          <a:xfrm>
+            <a:off x="9144000" y="0"/>
+            <a:ext cx="5934075" cy="4200525"/>
+          </a:xfrm>
+          <a:prstGeom prst="rect">
+            <a:avLst/>
+          </a:prstGeom>
+          <a:noFill/>
+          <a:ln>
+            <a:noFill/>
+          </a:ln>
+          <a:extLst>
+            <a:ext uri="{909E8E84-426E-40DD-AFC4-6F175D3DCCD1}">
+              <a14:hiddenFill xmlns:a14="http://schemas.microsoft.com/office/drawing/2010/main">
+                <a:solidFill>
+                  <a:schemeClr val="accent1"/>
+                </a:solidFill>
+              </a14:hiddenFill>
+            </a:ext>
+            <a:ext uri="{91240B29-F687-4F45-9708-019B960494DF}">
+              <a14:hiddenLine xmlns:a14="http://schemas.microsoft.com/office/drawing/2010/main" w="9525">
+                <a:solidFill>
+                  <a:schemeClr val="tx1"/>
+                </a:solidFill>
+                <a:miter lim="800000"/>
+                <a:headEnd/>
+                <a:tailEnd/>
+              </a14:hiddenLine>
+            </a:ext>
+          </a:extLst>
+        </p:spPr>
+      </p:pic>
     </p:spTree>
   </p:cSld>
   <p:clrMapOvr>
@@ -4952,6 +5670,187 @@
 </file>
 
 <file path=ppt/slides/slide8.xml><?xml version="1.0" encoding="utf-8"?>
+<p:sld xmlns:a="http://schemas.openxmlformats.org/drawingml/2006/main" xmlns:r="http://schemas.openxmlformats.org/officeDocument/2006/relationships" xmlns:p="http://schemas.openxmlformats.org/presentationml/2006/main">
+  <p:cSld>
+    <p:spTree>
+      <p:nvGrpSpPr>
+        <p:cNvPr id="1" name=""/>
+        <p:cNvGrpSpPr/>
+        <p:nvPr/>
+      </p:nvGrpSpPr>
+      <p:grpSpPr>
+        <a:xfrm>
+          <a:off x="0" y="0"/>
+          <a:ext cx="0" cy="0"/>
+          <a:chOff x="0" y="0"/>
+          <a:chExt cx="0" cy="0"/>
+        </a:xfrm>
+      </p:grpSpPr>
+      <p:sp>
+        <p:nvSpPr>
+          <p:cNvPr id="2" name="Title 1"/>
+          <p:cNvSpPr>
+            <a:spLocks noGrp="1"/>
+          </p:cNvSpPr>
+          <p:nvPr>
+            <p:ph type="title"/>
+          </p:nvPr>
+        </p:nvSpPr>
+        <p:spPr/>
+        <p:txBody>
+          <a:bodyPr>
+            <a:normAutofit fontScale="90000"/>
+          </a:bodyPr>
+          <a:lstStyle/>
+          <a:p>
+            <a:r>
+              <a:rPr lang="en-US" dirty="0" smtClean="0"/>
+              <a:t>Challenges</a:t>
+            </a:r>
+            <a:endParaRPr lang="en-US" dirty="0"/>
+          </a:p>
+        </p:txBody>
+      </p:sp>
+      <p:sp>
+        <p:nvSpPr>
+          <p:cNvPr id="3" name="Content Placeholder 2"/>
+          <p:cNvSpPr>
+            <a:spLocks noGrp="1"/>
+          </p:cNvSpPr>
+          <p:nvPr>
+            <p:ph idx="1"/>
+          </p:nvPr>
+        </p:nvSpPr>
+        <p:spPr/>
+        <p:txBody>
+          <a:bodyPr>
+            <a:normAutofit lnSpcReduction="10000"/>
+          </a:bodyPr>
+          <a:lstStyle/>
+          <a:p>
+            <a:pPr marL="514350" lvl="0" indent="-514350">
+              <a:buFont typeface="+mj-lt"/>
+              <a:buAutoNum type="arabicPeriod"/>
+            </a:pPr>
+            <a:r>
+              <a:rPr lang="en-US" dirty="0" smtClean="0"/>
+              <a:t>Detail complexity resulting from multiple region structure of model</a:t>
+            </a:r>
+          </a:p>
+          <a:p>
+            <a:pPr marL="514350" lvl="0" indent="-514350">
+              <a:buFont typeface="+mj-lt"/>
+              <a:buAutoNum type="arabicPeriod"/>
+            </a:pPr>
+            <a:endParaRPr lang="en-US" dirty="0"/>
+          </a:p>
+          <a:p>
+            <a:pPr marL="514350" lvl="0" indent="-514350">
+              <a:buFont typeface="+mj-lt"/>
+              <a:buAutoNum type="arabicPeriod"/>
+            </a:pPr>
+            <a:r>
+              <a:rPr lang="en-US" dirty="0" smtClean="0"/>
+              <a:t>Uncertainty around data</a:t>
+            </a:r>
+          </a:p>
+          <a:p>
+            <a:pPr marL="514350" lvl="0" indent="-514350">
+              <a:buFont typeface="+mj-lt"/>
+              <a:buAutoNum type="arabicPeriod"/>
+            </a:pPr>
+            <a:endParaRPr lang="en-US" dirty="0" smtClean="0"/>
+          </a:p>
+          <a:p>
+            <a:pPr marL="514350" lvl="0" indent="-514350">
+              <a:buFont typeface="+mj-lt"/>
+              <a:buAutoNum type="arabicPeriod"/>
+            </a:pPr>
+            <a:r>
+              <a:rPr lang="en-US" dirty="0" smtClean="0"/>
+              <a:t>Calibration</a:t>
+            </a:r>
+          </a:p>
+          <a:p>
+            <a:pPr marL="514350" lvl="0" indent="-514350">
+              <a:buFont typeface="+mj-lt"/>
+              <a:buAutoNum type="arabicPeriod"/>
+            </a:pPr>
+            <a:endParaRPr lang="en-US" dirty="0"/>
+          </a:p>
+          <a:p>
+            <a:pPr marL="514350" lvl="0" indent="-514350">
+              <a:buFont typeface="+mj-lt"/>
+              <a:buAutoNum type="arabicPeriod"/>
+            </a:pPr>
+            <a:r>
+              <a:rPr lang="en-US" dirty="0" smtClean="0"/>
+              <a:t>International Trade</a:t>
+            </a:r>
+          </a:p>
+          <a:p>
+            <a:pPr marL="514350" lvl="0" indent="-514350">
+              <a:buFont typeface="+mj-lt"/>
+              <a:buAutoNum type="arabicPeriod"/>
+            </a:pPr>
+            <a:endParaRPr lang="en-US" dirty="0"/>
+          </a:p>
+          <a:p>
+            <a:pPr marL="514350" lvl="0" indent="-514350">
+              <a:buFont typeface="+mj-lt"/>
+              <a:buAutoNum type="arabicPeriod"/>
+            </a:pPr>
+            <a:r>
+              <a:rPr lang="en-US" dirty="0" smtClean="0"/>
+              <a:t>Region-specific, animal-product-induced demand for commodities, forage, pasture</a:t>
+            </a:r>
+          </a:p>
+          <a:p>
+            <a:pPr marL="514350" lvl="0" indent="-514350">
+              <a:buFont typeface="+mj-lt"/>
+              <a:buAutoNum type="arabicPeriod"/>
+            </a:pPr>
+            <a:endParaRPr lang="en-US" dirty="0"/>
+          </a:p>
+          <a:p>
+            <a:pPr marL="514350" lvl="0" indent="-514350">
+              <a:buFont typeface="+mj-lt"/>
+              <a:buAutoNum type="arabicPeriod"/>
+            </a:pPr>
+            <a:endParaRPr lang="en-US" dirty="0" smtClean="0"/>
+          </a:p>
+          <a:p>
+            <a:pPr marL="514350" lvl="0" indent="-514350">
+              <a:buFont typeface="+mj-lt"/>
+              <a:buAutoNum type="arabicPeriod"/>
+            </a:pPr>
+            <a:endParaRPr lang="en-US" dirty="0"/>
+          </a:p>
+          <a:p>
+            <a:pPr marL="514350" lvl="0" indent="-514350">
+              <a:buFont typeface="+mj-lt"/>
+              <a:buAutoNum type="arabicPeriod"/>
+            </a:pPr>
+            <a:endParaRPr lang="en-US" dirty="0" smtClean="0"/>
+          </a:p>
+        </p:txBody>
+      </p:sp>
+    </p:spTree>
+  </p:cSld>
+  <p:clrMapOvr>
+    <a:masterClrMapping/>
+  </p:clrMapOvr>
+  <p:timing>
+    <p:tnLst>
+      <p:par>
+        <p:cTn id="1" dur="indefinite" restart="never" nodeType="tmRoot"/>
+      </p:par>
+    </p:tnLst>
+  </p:timing>
+</p:sld>
+</file>
+
+<file path=ppt/slides/slide9.xml><?xml version="1.0" encoding="utf-8"?>
 <p:sld xmlns:a="http://schemas.openxmlformats.org/drawingml/2006/main" xmlns:r="http://schemas.openxmlformats.org/officeDocument/2006/relationships" xmlns:p="http://schemas.openxmlformats.org/presentationml/2006/main">
   <p:cSld>
     <p:spTree>
@@ -5263,133 +6162,6 @@
       </p:par>
     </p:tnLst>
   </p:timing>
-</p:sld>
-</file>
-
-<file path=ppt/slides/slide9.xml><?xml version="1.0" encoding="utf-8"?>
-<p:sld xmlns:a="http://schemas.openxmlformats.org/drawingml/2006/main" xmlns:r="http://schemas.openxmlformats.org/officeDocument/2006/relationships" xmlns:p="http://schemas.openxmlformats.org/presentationml/2006/main">
-  <p:cSld>
-    <p:spTree>
-      <p:nvGrpSpPr>
-        <p:cNvPr id="1" name=""/>
-        <p:cNvGrpSpPr/>
-        <p:nvPr/>
-      </p:nvGrpSpPr>
-      <p:grpSpPr>
-        <a:xfrm>
-          <a:off x="0" y="0"/>
-          <a:ext cx="0" cy="0"/>
-          <a:chOff x="0" y="0"/>
-          <a:chExt cx="0" cy="0"/>
-        </a:xfrm>
-      </p:grpSpPr>
-      <p:sp>
-        <p:nvSpPr>
-          <p:cNvPr id="2" name="Title 1"/>
-          <p:cNvSpPr>
-            <a:spLocks noGrp="1"/>
-          </p:cNvSpPr>
-          <p:nvPr>
-            <p:ph type="title"/>
-          </p:nvPr>
-        </p:nvSpPr>
-        <p:spPr/>
-        <p:txBody>
-          <a:bodyPr>
-            <a:normAutofit fontScale="90000"/>
-          </a:bodyPr>
-          <a:lstStyle/>
-          <a:p>
-            <a:r>
-              <a:rPr lang="en-US" dirty="0" smtClean="0"/>
-              <a:t>Data uncertainty</a:t>
-            </a:r>
-            <a:endParaRPr lang="en-US" dirty="0"/>
-          </a:p>
-        </p:txBody>
-      </p:sp>
-      <p:sp>
-        <p:nvSpPr>
-          <p:cNvPr id="3" name="Content Placeholder 2"/>
-          <p:cNvSpPr>
-            <a:spLocks noGrp="1"/>
-          </p:cNvSpPr>
-          <p:nvPr>
-            <p:ph idx="1"/>
-          </p:nvPr>
-        </p:nvSpPr>
-        <p:spPr/>
-        <p:txBody>
-          <a:bodyPr>
-            <a:normAutofit fontScale="85000" lnSpcReduction="20000"/>
-          </a:bodyPr>
-          <a:lstStyle/>
-          <a:p>
-            <a:r>
-              <a:rPr lang="en-US" dirty="0" smtClean="0"/>
-              <a:t>Data for US is pretty good, but data for other regions can be a bit less certain</a:t>
-            </a:r>
-          </a:p>
-          <a:p>
-            <a:endParaRPr lang="en-US" dirty="0"/>
-          </a:p>
-          <a:p>
-            <a:r>
-              <a:rPr lang="en-US" dirty="0" smtClean="0"/>
-              <a:t>Forage land </a:t>
-            </a:r>
-            <a:r>
-              <a:rPr lang="en-US" dirty="0" smtClean="0">
-                <a:sym typeface="Wingdings" pitchFamily="2" charset="2"/>
-              </a:rPr>
-              <a:t> significant component of land base, but forage yield difficult to estimate with high degree of certainty</a:t>
-            </a:r>
-          </a:p>
-          <a:p>
-            <a:endParaRPr lang="en-US" dirty="0">
-              <a:sym typeface="Wingdings" pitchFamily="2" charset="2"/>
-            </a:endParaRPr>
-          </a:p>
-          <a:p>
-            <a:r>
-              <a:rPr lang="en-US" dirty="0" smtClean="0">
-                <a:sym typeface="Wingdings" pitchFamily="2" charset="2"/>
-              </a:rPr>
-              <a:t>Pasture land  VERY significant component of land base, but pasture yield VERY difficult to estimate with high degree of certainty.  Current yield formulation pegged to forage yield, but requires calibration factor.</a:t>
-            </a:r>
-            <a:endParaRPr lang="en-US" dirty="0" smtClean="0"/>
-          </a:p>
-          <a:p>
-            <a:endParaRPr lang="en-US" dirty="0" smtClean="0"/>
-          </a:p>
-          <a:p>
-            <a:r>
-              <a:rPr lang="en-US" dirty="0" smtClean="0"/>
-              <a:t>Interaction with animal product logic compounds difficulties</a:t>
-            </a:r>
-            <a:endParaRPr lang="en-US" dirty="0"/>
-          </a:p>
-          <a:p>
-            <a:endParaRPr lang="en-US" dirty="0" smtClean="0"/>
-          </a:p>
-          <a:p>
-            <a:endParaRPr lang="en-US" dirty="0"/>
-          </a:p>
-          <a:p>
-            <a:endParaRPr lang="en-US" dirty="0" smtClean="0"/>
-          </a:p>
-        </p:txBody>
-      </p:sp>
-    </p:spTree>
-    <p:extLst>
-      <p:ext uri="{BB962C8B-B14F-4D97-AF65-F5344CB8AC3E}">
-        <p14:creationId xmlns:p14="http://schemas.microsoft.com/office/powerpoint/2010/main" val="17465137"/>
-      </p:ext>
-    </p:extLst>
-  </p:cSld>
-  <p:clrMapOvr>
-    <a:masterClrMapping/>
-  </p:clrMapOvr>
 </p:sld>
 </file>
 
